--- a/Chapter7/Figures/Fig13.pptx
+++ b/Chapter7/Figures/Fig13.pptx
@@ -288,7 +288,7 @@
           <a:p>
             <a:fld id="{A026290B-A691-4ADB-8C7F-754C94472B89}" type="datetimeFigureOut">
               <a:rPr lang="en-GB" smtClean="0"/>
-              <a:t>05/06/2014</a:t>
+              <a:t>10/09/2014</a:t>
             </a:fld>
             <a:endParaRPr lang="en-GB"/>
           </a:p>
@@ -458,7 +458,7 @@
           <a:p>
             <a:fld id="{A026290B-A691-4ADB-8C7F-754C94472B89}" type="datetimeFigureOut">
               <a:rPr lang="en-GB" smtClean="0"/>
-              <a:t>05/06/2014</a:t>
+              <a:t>10/09/2014</a:t>
             </a:fld>
             <a:endParaRPr lang="en-GB"/>
           </a:p>
@@ -638,7 +638,7 @@
           <a:p>
             <a:fld id="{A026290B-A691-4ADB-8C7F-754C94472B89}" type="datetimeFigureOut">
               <a:rPr lang="en-GB" smtClean="0"/>
-              <a:t>05/06/2014</a:t>
+              <a:t>10/09/2014</a:t>
             </a:fld>
             <a:endParaRPr lang="en-GB"/>
           </a:p>
@@ -808,7 +808,7 @@
           <a:p>
             <a:fld id="{A026290B-A691-4ADB-8C7F-754C94472B89}" type="datetimeFigureOut">
               <a:rPr lang="en-GB" smtClean="0"/>
-              <a:t>05/06/2014</a:t>
+              <a:t>10/09/2014</a:t>
             </a:fld>
             <a:endParaRPr lang="en-GB"/>
           </a:p>
@@ -1054,7 +1054,7 @@
           <a:p>
             <a:fld id="{A026290B-A691-4ADB-8C7F-754C94472B89}" type="datetimeFigureOut">
               <a:rPr lang="en-GB" smtClean="0"/>
-              <a:t>05/06/2014</a:t>
+              <a:t>10/09/2014</a:t>
             </a:fld>
             <a:endParaRPr lang="en-GB"/>
           </a:p>
@@ -1342,7 +1342,7 @@
           <a:p>
             <a:fld id="{A026290B-A691-4ADB-8C7F-754C94472B89}" type="datetimeFigureOut">
               <a:rPr lang="en-GB" smtClean="0"/>
-              <a:t>05/06/2014</a:t>
+              <a:t>10/09/2014</a:t>
             </a:fld>
             <a:endParaRPr lang="en-GB"/>
           </a:p>
@@ -1764,7 +1764,7 @@
           <a:p>
             <a:fld id="{A026290B-A691-4ADB-8C7F-754C94472B89}" type="datetimeFigureOut">
               <a:rPr lang="en-GB" smtClean="0"/>
-              <a:t>05/06/2014</a:t>
+              <a:t>10/09/2014</a:t>
             </a:fld>
             <a:endParaRPr lang="en-GB"/>
           </a:p>
@@ -1882,7 +1882,7 @@
           <a:p>
             <a:fld id="{A026290B-A691-4ADB-8C7F-754C94472B89}" type="datetimeFigureOut">
               <a:rPr lang="en-GB" smtClean="0"/>
-              <a:t>05/06/2014</a:t>
+              <a:t>10/09/2014</a:t>
             </a:fld>
             <a:endParaRPr lang="en-GB"/>
           </a:p>
@@ -1977,7 +1977,7 @@
           <a:p>
             <a:fld id="{A026290B-A691-4ADB-8C7F-754C94472B89}" type="datetimeFigureOut">
               <a:rPr lang="en-GB" smtClean="0"/>
-              <a:t>05/06/2014</a:t>
+              <a:t>10/09/2014</a:t>
             </a:fld>
             <a:endParaRPr lang="en-GB"/>
           </a:p>
@@ -2254,7 +2254,7 @@
           <a:p>
             <a:fld id="{A026290B-A691-4ADB-8C7F-754C94472B89}" type="datetimeFigureOut">
               <a:rPr lang="en-GB" smtClean="0"/>
-              <a:t>05/06/2014</a:t>
+              <a:t>10/09/2014</a:t>
             </a:fld>
             <a:endParaRPr lang="en-GB"/>
           </a:p>
@@ -2507,7 +2507,7 @@
           <a:p>
             <a:fld id="{A026290B-A691-4ADB-8C7F-754C94472B89}" type="datetimeFigureOut">
               <a:rPr lang="en-GB" smtClean="0"/>
-              <a:t>05/06/2014</a:t>
+              <a:t>10/09/2014</a:t>
             </a:fld>
             <a:endParaRPr lang="en-GB"/>
           </a:p>
@@ -2720,7 +2720,7 @@
           <a:p>
             <a:fld id="{A026290B-A691-4ADB-8C7F-754C94472B89}" type="datetimeFigureOut">
               <a:rPr lang="en-GB" smtClean="0"/>
-              <a:t>05/06/2014</a:t>
+              <a:t>10/09/2014</a:t>
             </a:fld>
             <a:endParaRPr lang="en-GB"/>
           </a:p>
@@ -9646,8 +9646,8 @@
         </p:blipFill>
         <p:spPr bwMode="auto">
           <a:xfrm>
-            <a:off x="9198227" y="4958392"/>
-            <a:ext cx="1673123" cy="596632"/>
+            <a:off x="8814467" y="4951079"/>
+            <a:ext cx="2250846" cy="802647"/>
           </a:xfrm>
           <a:prstGeom prst="rect">
             <a:avLst/>
